--- a/프로젝트/2차 프로젝트 준비/191017 중간발표대비/스낵 리뷰 (중간발표).pptx
+++ b/프로젝트/2차 프로젝트 준비/191017 중간발표대비/스낵 리뷰 (중간발표).pptx
@@ -5,35 +5,34 @@
     <p:sldMasterId id="2147483659" r:id="rId1"/>
   </p:sldMasterIdLst>
   <p:notesMasterIdLst>
-    <p:notesMasterId r:id="rId10"/>
+    <p:notesMasterId r:id="rId9"/>
   </p:notesMasterIdLst>
   <p:sldIdLst>
     <p:sldId id="256" r:id="rId2"/>
     <p:sldId id="257" r:id="rId3"/>
     <p:sldId id="258" r:id="rId4"/>
     <p:sldId id="259" r:id="rId5"/>
-    <p:sldId id="267" r:id="rId6"/>
-    <p:sldId id="260" r:id="rId7"/>
-    <p:sldId id="261" r:id="rId8"/>
-    <p:sldId id="262" r:id="rId9"/>
+    <p:sldId id="260" r:id="rId6"/>
+    <p:sldId id="261" r:id="rId7"/>
+    <p:sldId id="262" r:id="rId8"/>
   </p:sldIdLst>
   <p:sldSz cx="9144000" cy="5143500" type="screen16x9"/>
   <p:notesSz cx="6858000" cy="9144000"/>
   <p:embeddedFontLst>
     <p:embeddedFont>
+      <p:font typeface="Roboto" panose="020B0600000101010101" charset="0"/>
+      <p:regular r:id="rId10"/>
+      <p:bold r:id="rId11"/>
+      <p:italic r:id="rId12"/>
+      <p:boldItalic r:id="rId13"/>
+    </p:embeddedFont>
+    <p:embeddedFont>
       <p:font typeface="서울남산 장체B" panose="02020603020101020101" pitchFamily="18" charset="-127"/>
-      <p:regular r:id="rId11"/>
+      <p:regular r:id="rId14"/>
     </p:embeddedFont>
     <p:embeddedFont>
       <p:font typeface="서울남산 장체BL" panose="02020603020101020101" pitchFamily="18" charset="-127"/>
-      <p:regular r:id="rId12"/>
-    </p:embeddedFont>
-    <p:embeddedFont>
-      <p:font typeface="Roboto" panose="020B0600000101010101" charset="0"/>
-      <p:regular r:id="rId13"/>
-      <p:bold r:id="rId14"/>
-      <p:italic r:id="rId15"/>
-      <p:boldItalic r:id="rId16"/>
+      <p:regular r:id="rId15"/>
     </p:embeddedFont>
   </p:embeddedFontLst>
   <p:defaultTextStyle>
@@ -1146,115 +1145,6 @@
   <p:cSld>
     <p:spTree>
       <p:nvGrpSpPr>
-        <p:cNvPr id="1" name="Shape 84"/>
-        <p:cNvGrpSpPr/>
-        <p:nvPr/>
-      </p:nvGrpSpPr>
-      <p:grpSpPr>
-        <a:xfrm>
-          <a:off x="0" y="0"/>
-          <a:ext cx="0" cy="0"/>
-          <a:chOff x="0" y="0"/>
-          <a:chExt cx="0" cy="0"/>
-        </a:xfrm>
-      </p:grpSpPr>
-      <p:sp>
-        <p:nvSpPr>
-          <p:cNvPr id="85" name="Google Shape;85;g6520c85f05_0_13:notes"/>
-          <p:cNvSpPr>
-            <a:spLocks noGrp="1" noRot="1" noChangeAspect="1"/>
-          </p:cNvSpPr>
-          <p:nvPr>
-            <p:ph type="sldImg" idx="2"/>
-          </p:nvPr>
-        </p:nvSpPr>
-        <p:spPr>
-          <a:xfrm>
-            <a:off x="381000" y="685800"/>
-            <a:ext cx="6096000" cy="3429000"/>
-          </a:xfrm>
-          <a:custGeom>
-            <a:avLst/>
-            <a:gdLst/>
-            <a:ahLst/>
-            <a:cxnLst/>
-            <a:rect l="l" t="t" r="r" b="b"/>
-            <a:pathLst>
-              <a:path w="120000" h="120000" extrusionOk="0">
-                <a:moveTo>
-                  <a:pt x="0" y="0"/>
-                </a:moveTo>
-                <a:lnTo>
-                  <a:pt x="120000" y="0"/>
-                </a:lnTo>
-                <a:lnTo>
-                  <a:pt x="120000" y="120000"/>
-                </a:lnTo>
-                <a:lnTo>
-                  <a:pt x="0" y="120000"/>
-                </a:lnTo>
-                <a:close/>
-              </a:path>
-            </a:pathLst>
-          </a:custGeom>
-        </p:spPr>
-      </p:sp>
-      <p:sp>
-        <p:nvSpPr>
-          <p:cNvPr id="86" name="Google Shape;86;g6520c85f05_0_13:notes"/>
-          <p:cNvSpPr txBox="1">
-            <a:spLocks noGrp="1"/>
-          </p:cNvSpPr>
-          <p:nvPr>
-            <p:ph type="body" idx="1"/>
-          </p:nvPr>
-        </p:nvSpPr>
-        <p:spPr>
-          <a:xfrm>
-            <a:off x="685800" y="4343400"/>
-            <a:ext cx="5486400" cy="4114800"/>
-          </a:xfrm>
-          <a:prstGeom prst="rect">
-            <a:avLst/>
-          </a:prstGeom>
-        </p:spPr>
-        <p:txBody>
-          <a:bodyPr spcFirstLastPara="1" wrap="square" lIns="91425" tIns="91425" rIns="91425" bIns="91425" anchor="t" anchorCtr="0">
-            <a:noAutofit/>
-          </a:bodyPr>
-          <a:lstStyle/>
-          <a:p>
-            <a:pPr marL="0" lvl="0" indent="0" algn="l" rtl="0">
-              <a:spcBef>
-                <a:spcPts val="0"/>
-              </a:spcBef>
-              <a:spcAft>
-                <a:spcPts val="0"/>
-              </a:spcAft>
-              <a:buNone/>
-            </a:pPr>
-            <a:endParaRPr/>
-          </a:p>
-        </p:txBody>
-      </p:sp>
-    </p:spTree>
-    <p:extLst>
-      <p:ext uri="{BB962C8B-B14F-4D97-AF65-F5344CB8AC3E}">
-        <p14:creationId xmlns:p14="http://schemas.microsoft.com/office/powerpoint/2010/main" val="1103781311"/>
-      </p:ext>
-    </p:extLst>
-  </p:cSld>
-  <p:clrMapOvr>
-    <a:masterClrMapping/>
-  </p:clrMapOvr>
-</p:notes>
-</file>
-
-<file path=ppt/notesSlides/notesSlide6.xml><?xml version="1.0" encoding="utf-8"?>
-<p:notes xmlns:a="http://schemas.openxmlformats.org/drawingml/2006/main" xmlns:r="http://schemas.openxmlformats.org/officeDocument/2006/relationships" xmlns:p="http://schemas.openxmlformats.org/presentationml/2006/main" showMasterSp="0" showMasterPhAnim="0">
-  <p:cSld>
-    <p:spTree>
-      <p:nvGrpSpPr>
         <p:cNvPr id="1" name="Shape 92"/>
         <p:cNvGrpSpPr/>
         <p:nvPr/>
@@ -1354,7 +1244,7 @@
 </p:notes>
 </file>
 
-<file path=ppt/notesSlides/notesSlide7.xml><?xml version="1.0" encoding="utf-8"?>
+<file path=ppt/notesSlides/notesSlide6.xml><?xml version="1.0" encoding="utf-8"?>
 <p:notes xmlns:a="http://schemas.openxmlformats.org/drawingml/2006/main" xmlns:r="http://schemas.openxmlformats.org/officeDocument/2006/relationships" xmlns:p="http://schemas.openxmlformats.org/presentationml/2006/main" showMasterSp="0" showMasterPhAnim="0">
   <p:cSld>
     <p:spTree>
@@ -1458,7 +1348,7 @@
 </p:notes>
 </file>
 
-<file path=ppt/notesSlides/notesSlide8.xml><?xml version="1.0" encoding="utf-8"?>
+<file path=ppt/notesSlides/notesSlide7.xml><?xml version="1.0" encoding="utf-8"?>
 <p:notes xmlns:a="http://schemas.openxmlformats.org/drawingml/2006/main" xmlns:r="http://schemas.openxmlformats.org/officeDocument/2006/relationships" xmlns:p="http://schemas.openxmlformats.org/presentationml/2006/main" showMasterSp="0" showMasterPhAnim="0">
   <p:cSld>
     <p:spTree>
@@ -8253,1035 +8143,6 @@
   <p:cSld>
     <p:spTree>
       <p:nvGrpSpPr>
-        <p:cNvPr id="1" name="Shape 87"/>
-        <p:cNvGrpSpPr/>
-        <p:nvPr/>
-      </p:nvGrpSpPr>
-      <p:grpSpPr>
-        <a:xfrm>
-          <a:off x="0" y="0"/>
-          <a:ext cx="0" cy="0"/>
-          <a:chOff x="0" y="0"/>
-          <a:chExt cx="0" cy="0"/>
-        </a:xfrm>
-      </p:grpSpPr>
-      <p:sp>
-        <p:nvSpPr>
-          <p:cNvPr id="88" name="Google Shape;88;p16"/>
-          <p:cNvSpPr txBox="1">
-            <a:spLocks noGrp="1"/>
-          </p:cNvSpPr>
-          <p:nvPr>
-            <p:ph type="title"/>
-          </p:nvPr>
-        </p:nvSpPr>
-        <p:spPr>
-          <a:xfrm>
-            <a:off x="170686" y="102334"/>
-            <a:ext cx="8222100" cy="767700"/>
-          </a:xfrm>
-          <a:prstGeom prst="rect">
-            <a:avLst/>
-          </a:prstGeom>
-        </p:spPr>
-        <p:txBody>
-          <a:bodyPr spcFirstLastPara="1" wrap="square" lIns="91425" tIns="91425" rIns="91425" bIns="91425" anchor="b" anchorCtr="0">
-            <a:noAutofit/>
-          </a:bodyPr>
-          <a:lstStyle/>
-          <a:p>
-            <a:pPr marL="0" lvl="0" indent="0" algn="l" rtl="0">
-              <a:spcBef>
-                <a:spcPts val="0"/>
-              </a:spcBef>
-              <a:spcAft>
-                <a:spcPts val="0"/>
-              </a:spcAft>
-              <a:buNone/>
-            </a:pPr>
-            <a:r>
-              <a:rPr lang="ko" dirty="0">
-                <a:latin typeface="서울남산 장체B" panose="02020603020101020101" pitchFamily="18" charset="-127"/>
-                <a:ea typeface="서울남산 장체B" panose="02020603020101020101" pitchFamily="18" charset="-127"/>
-              </a:rPr>
-              <a:t>화면설계</a:t>
-            </a:r>
-            <a:endParaRPr dirty="0">
-              <a:latin typeface="서울남산 장체B" panose="02020603020101020101" pitchFamily="18" charset="-127"/>
-              <a:ea typeface="서울남산 장체B" panose="02020603020101020101" pitchFamily="18" charset="-127"/>
-            </a:endParaRPr>
-          </a:p>
-        </p:txBody>
-      </p:sp>
-      <p:sp>
-        <p:nvSpPr>
-          <p:cNvPr id="89" name="Google Shape;89;p16"/>
-          <p:cNvSpPr txBox="1">
-            <a:spLocks noGrp="1"/>
-          </p:cNvSpPr>
-          <p:nvPr>
-            <p:ph type="body" idx="1"/>
-          </p:nvPr>
-        </p:nvSpPr>
-        <p:spPr>
-          <a:xfrm>
-            <a:off x="170686" y="1189920"/>
-            <a:ext cx="3045850" cy="1117760"/>
-          </a:xfrm>
-          <a:prstGeom prst="rect">
-            <a:avLst/>
-          </a:prstGeom>
-        </p:spPr>
-        <p:txBody>
-          <a:bodyPr spcFirstLastPara="1" wrap="square" lIns="91425" tIns="91425" rIns="91425" bIns="91425" anchor="t" anchorCtr="0">
-            <a:noAutofit/>
-          </a:bodyPr>
-          <a:lstStyle/>
-          <a:p>
-            <a:pPr marL="457200" lvl="0" indent="-317500" algn="l" rtl="0">
-              <a:spcBef>
-                <a:spcPts val="0"/>
-              </a:spcBef>
-              <a:spcAft>
-                <a:spcPts val="0"/>
-              </a:spcAft>
-              <a:buSzPts val="1400"/>
-              <a:buChar char="●"/>
-            </a:pPr>
-            <a:r>
-              <a:rPr lang="ko" dirty="0">
-                <a:latin typeface="서울남산 장체B" panose="02020603020101020101" pitchFamily="18" charset="-127"/>
-                <a:ea typeface="서울남산 장체B" panose="02020603020101020101" pitchFamily="18" charset="-127"/>
-              </a:rPr>
-              <a:t>포스팅 작성</a:t>
-            </a:r>
-            <a:endParaRPr lang="en-US" altLang="ko" dirty="0">
-              <a:latin typeface="서울남산 장체B" panose="02020603020101020101" pitchFamily="18" charset="-127"/>
-              <a:ea typeface="서울남산 장체B" panose="02020603020101020101" pitchFamily="18" charset="-127"/>
-            </a:endParaRPr>
-          </a:p>
-          <a:p>
-            <a:pPr marL="457200" lvl="0" indent="-317500" algn="l" rtl="0">
-              <a:spcBef>
-                <a:spcPts val="0"/>
-              </a:spcBef>
-              <a:spcAft>
-                <a:spcPts val="0"/>
-              </a:spcAft>
-              <a:buSzPts val="1400"/>
-              <a:buChar char="●"/>
-            </a:pPr>
-            <a:endParaRPr sz="1050" dirty="0">
-              <a:latin typeface="서울남산 장체B" panose="02020603020101020101" pitchFamily="18" charset="-127"/>
-              <a:ea typeface="서울남산 장체B" panose="02020603020101020101" pitchFamily="18" charset="-127"/>
-            </a:endParaRPr>
-          </a:p>
-          <a:p>
-            <a:pPr marL="152400" indent="0">
-              <a:buSzPts val="1200"/>
-              <a:buNone/>
-            </a:pPr>
-            <a:r>
-              <a:rPr lang="en-US" altLang="ko" dirty="0">
-                <a:latin typeface="서울남산 장체B" panose="02020603020101020101" pitchFamily="18" charset="-127"/>
-                <a:ea typeface="서울남산 장체B" panose="02020603020101020101" pitchFamily="18" charset="-127"/>
-              </a:rPr>
-              <a:t>- </a:t>
-            </a:r>
-            <a:r>
-              <a:rPr lang="ko" dirty="0">
-                <a:latin typeface="서울남산 장체B" panose="02020603020101020101" pitchFamily="18" charset="-127"/>
-                <a:ea typeface="서울남산 장체B" panose="02020603020101020101" pitchFamily="18" charset="-127"/>
-              </a:rPr>
-              <a:t>comment를 통해 포스트에 대한 이용자의 생각을 적을 수 있도록.</a:t>
-            </a:r>
-            <a:endParaRPr dirty="0">
-              <a:latin typeface="서울남산 장체B" panose="02020603020101020101" pitchFamily="18" charset="-127"/>
-              <a:ea typeface="서울남산 장체B" panose="02020603020101020101" pitchFamily="18" charset="-127"/>
-            </a:endParaRPr>
-          </a:p>
-          <a:p>
-            <a:pPr marL="457200" lvl="0" indent="0" algn="l" rtl="0">
-              <a:spcBef>
-                <a:spcPts val="1600"/>
-              </a:spcBef>
-              <a:spcAft>
-                <a:spcPts val="0"/>
-              </a:spcAft>
-              <a:buNone/>
-            </a:pPr>
-            <a:endParaRPr dirty="0">
-              <a:latin typeface="서울남산 장체B" panose="02020603020101020101" pitchFamily="18" charset="-127"/>
-              <a:ea typeface="서울남산 장체B" panose="02020603020101020101" pitchFamily="18" charset="-127"/>
-            </a:endParaRPr>
-          </a:p>
-        </p:txBody>
-      </p:sp>
-      <p:sp>
-        <p:nvSpPr>
-          <p:cNvPr id="8" name="Google Shape;89;p16">
-            <a:extLst>
-              <a:ext uri="{FF2B5EF4-FFF2-40B4-BE49-F238E27FC236}">
-                <a16:creationId xmlns:a16="http://schemas.microsoft.com/office/drawing/2014/main" id="{CE90A08B-D2DD-4EE8-8813-A5B820C73533}"/>
-              </a:ext>
-            </a:extLst>
-          </p:cNvPr>
-          <p:cNvSpPr txBox="1">
-            <a:spLocks/>
-          </p:cNvSpPr>
-          <p:nvPr/>
-        </p:nvSpPr>
-        <p:spPr>
-          <a:xfrm>
-            <a:off x="170686" y="2739021"/>
-            <a:ext cx="3045850" cy="1117760"/>
-          </a:xfrm>
-          <a:prstGeom prst="rect">
-            <a:avLst/>
-          </a:prstGeom>
-          <a:noFill/>
-          <a:ln>
-            <a:noFill/>
-          </a:ln>
-        </p:spPr>
-        <p:txBody>
-          <a:bodyPr spcFirstLastPara="1" wrap="square" lIns="91425" tIns="91425" rIns="91425" bIns="91425" anchor="t" anchorCtr="0">
-            <a:noAutofit/>
-          </a:bodyPr>
-          <a:lstStyle>
-            <a:defPPr marR="0" lvl="0" algn="l" rtl="0">
-              <a:lnSpc>
-                <a:spcPct val="100000"/>
-              </a:lnSpc>
-              <a:spcBef>
-                <a:spcPts val="0"/>
-              </a:spcBef>
-              <a:spcAft>
-                <a:spcPts val="0"/>
-              </a:spcAft>
-            </a:defPPr>
-            <a:lvl1pPr marL="457200" marR="0" lvl="0" indent="-317500" algn="l" rtl="0">
-              <a:lnSpc>
-                <a:spcPct val="115000"/>
-              </a:lnSpc>
-              <a:spcBef>
-                <a:spcPts val="0"/>
-              </a:spcBef>
-              <a:spcAft>
-                <a:spcPts val="0"/>
-              </a:spcAft>
-              <a:buClr>
-                <a:schemeClr val="lt2"/>
-              </a:buClr>
-              <a:buSzPts val="1400"/>
-              <a:buFont typeface="Roboto"/>
-              <a:buChar char="●"/>
-              <a:defRPr sz="1400" b="0" i="0" u="none" strike="noStrike" cap="none">
-                <a:solidFill>
-                  <a:schemeClr val="lt2"/>
-                </a:solidFill>
-                <a:latin typeface="Roboto"/>
-                <a:ea typeface="Roboto"/>
-                <a:cs typeface="Roboto"/>
-                <a:sym typeface="Roboto"/>
-              </a:defRPr>
-            </a:lvl1pPr>
-            <a:lvl2pPr marL="914400" marR="0" lvl="1" indent="-304800" algn="l" rtl="0">
-              <a:lnSpc>
-                <a:spcPct val="115000"/>
-              </a:lnSpc>
-              <a:spcBef>
-                <a:spcPts val="1600"/>
-              </a:spcBef>
-              <a:spcAft>
-                <a:spcPts val="0"/>
-              </a:spcAft>
-              <a:buClr>
-                <a:schemeClr val="lt2"/>
-              </a:buClr>
-              <a:buSzPts val="1200"/>
-              <a:buFont typeface="Roboto"/>
-              <a:buChar char="○"/>
-              <a:defRPr sz="1200" b="0" i="0" u="none" strike="noStrike" cap="none">
-                <a:solidFill>
-                  <a:schemeClr val="lt2"/>
-                </a:solidFill>
-                <a:latin typeface="Roboto"/>
-                <a:ea typeface="Roboto"/>
-                <a:cs typeface="Roboto"/>
-                <a:sym typeface="Roboto"/>
-              </a:defRPr>
-            </a:lvl2pPr>
-            <a:lvl3pPr marL="1371600" marR="0" lvl="2" indent="-304800" algn="l" rtl="0">
-              <a:lnSpc>
-                <a:spcPct val="115000"/>
-              </a:lnSpc>
-              <a:spcBef>
-                <a:spcPts val="1600"/>
-              </a:spcBef>
-              <a:spcAft>
-                <a:spcPts val="0"/>
-              </a:spcAft>
-              <a:buClr>
-                <a:schemeClr val="lt2"/>
-              </a:buClr>
-              <a:buSzPts val="1200"/>
-              <a:buFont typeface="Roboto"/>
-              <a:buChar char="■"/>
-              <a:defRPr sz="1200" b="0" i="0" u="none" strike="noStrike" cap="none">
-                <a:solidFill>
-                  <a:schemeClr val="lt2"/>
-                </a:solidFill>
-                <a:latin typeface="Roboto"/>
-                <a:ea typeface="Roboto"/>
-                <a:cs typeface="Roboto"/>
-                <a:sym typeface="Roboto"/>
-              </a:defRPr>
-            </a:lvl3pPr>
-            <a:lvl4pPr marL="1828800" marR="0" lvl="3" indent="-304800" algn="l" rtl="0">
-              <a:lnSpc>
-                <a:spcPct val="115000"/>
-              </a:lnSpc>
-              <a:spcBef>
-                <a:spcPts val="1600"/>
-              </a:spcBef>
-              <a:spcAft>
-                <a:spcPts val="0"/>
-              </a:spcAft>
-              <a:buClr>
-                <a:schemeClr val="lt2"/>
-              </a:buClr>
-              <a:buSzPts val="1200"/>
-              <a:buFont typeface="Roboto"/>
-              <a:buChar char="●"/>
-              <a:defRPr sz="1200" b="0" i="0" u="none" strike="noStrike" cap="none">
-                <a:solidFill>
-                  <a:schemeClr val="lt2"/>
-                </a:solidFill>
-                <a:latin typeface="Roboto"/>
-                <a:ea typeface="Roboto"/>
-                <a:cs typeface="Roboto"/>
-                <a:sym typeface="Roboto"/>
-              </a:defRPr>
-            </a:lvl4pPr>
-            <a:lvl5pPr marL="2286000" marR="0" lvl="4" indent="-304800" algn="l" rtl="0">
-              <a:lnSpc>
-                <a:spcPct val="115000"/>
-              </a:lnSpc>
-              <a:spcBef>
-                <a:spcPts val="1600"/>
-              </a:spcBef>
-              <a:spcAft>
-                <a:spcPts val="0"/>
-              </a:spcAft>
-              <a:buClr>
-                <a:schemeClr val="lt2"/>
-              </a:buClr>
-              <a:buSzPts val="1200"/>
-              <a:buFont typeface="Roboto"/>
-              <a:buChar char="○"/>
-              <a:defRPr sz="1200" b="0" i="0" u="none" strike="noStrike" cap="none">
-                <a:solidFill>
-                  <a:schemeClr val="lt2"/>
-                </a:solidFill>
-                <a:latin typeface="Roboto"/>
-                <a:ea typeface="Roboto"/>
-                <a:cs typeface="Roboto"/>
-                <a:sym typeface="Roboto"/>
-              </a:defRPr>
-            </a:lvl5pPr>
-            <a:lvl6pPr marL="2743200" marR="0" lvl="5" indent="-304800" algn="l" rtl="0">
-              <a:lnSpc>
-                <a:spcPct val="115000"/>
-              </a:lnSpc>
-              <a:spcBef>
-                <a:spcPts val="1600"/>
-              </a:spcBef>
-              <a:spcAft>
-                <a:spcPts val="0"/>
-              </a:spcAft>
-              <a:buClr>
-                <a:schemeClr val="lt2"/>
-              </a:buClr>
-              <a:buSzPts val="1200"/>
-              <a:buFont typeface="Roboto"/>
-              <a:buChar char="■"/>
-              <a:defRPr sz="1200" b="0" i="0" u="none" strike="noStrike" cap="none">
-                <a:solidFill>
-                  <a:schemeClr val="lt2"/>
-                </a:solidFill>
-                <a:latin typeface="Roboto"/>
-                <a:ea typeface="Roboto"/>
-                <a:cs typeface="Roboto"/>
-                <a:sym typeface="Roboto"/>
-              </a:defRPr>
-            </a:lvl6pPr>
-            <a:lvl7pPr marL="3200400" marR="0" lvl="6" indent="-304800" algn="l" rtl="0">
-              <a:lnSpc>
-                <a:spcPct val="115000"/>
-              </a:lnSpc>
-              <a:spcBef>
-                <a:spcPts val="1600"/>
-              </a:spcBef>
-              <a:spcAft>
-                <a:spcPts val="0"/>
-              </a:spcAft>
-              <a:buClr>
-                <a:schemeClr val="lt2"/>
-              </a:buClr>
-              <a:buSzPts val="1200"/>
-              <a:buFont typeface="Roboto"/>
-              <a:buChar char="●"/>
-              <a:defRPr sz="1200" b="0" i="0" u="none" strike="noStrike" cap="none">
-                <a:solidFill>
-                  <a:schemeClr val="lt2"/>
-                </a:solidFill>
-                <a:latin typeface="Roboto"/>
-                <a:ea typeface="Roboto"/>
-                <a:cs typeface="Roboto"/>
-                <a:sym typeface="Roboto"/>
-              </a:defRPr>
-            </a:lvl7pPr>
-            <a:lvl8pPr marL="3657600" marR="0" lvl="7" indent="-304800" algn="l" rtl="0">
-              <a:lnSpc>
-                <a:spcPct val="115000"/>
-              </a:lnSpc>
-              <a:spcBef>
-                <a:spcPts val="1600"/>
-              </a:spcBef>
-              <a:spcAft>
-                <a:spcPts val="0"/>
-              </a:spcAft>
-              <a:buClr>
-                <a:schemeClr val="lt2"/>
-              </a:buClr>
-              <a:buSzPts val="1200"/>
-              <a:buFont typeface="Roboto"/>
-              <a:buChar char="○"/>
-              <a:defRPr sz="1200" b="0" i="0" u="none" strike="noStrike" cap="none">
-                <a:solidFill>
-                  <a:schemeClr val="lt2"/>
-                </a:solidFill>
-                <a:latin typeface="Roboto"/>
-                <a:ea typeface="Roboto"/>
-                <a:cs typeface="Roboto"/>
-                <a:sym typeface="Roboto"/>
-              </a:defRPr>
-            </a:lvl8pPr>
-            <a:lvl9pPr marL="4114800" marR="0" lvl="8" indent="-304800" algn="l" rtl="0">
-              <a:lnSpc>
-                <a:spcPct val="115000"/>
-              </a:lnSpc>
-              <a:spcBef>
-                <a:spcPts val="1600"/>
-              </a:spcBef>
-              <a:spcAft>
-                <a:spcPts val="1600"/>
-              </a:spcAft>
-              <a:buClr>
-                <a:schemeClr val="lt2"/>
-              </a:buClr>
-              <a:buSzPts val="1200"/>
-              <a:buFont typeface="Roboto"/>
-              <a:buChar char="■"/>
-              <a:defRPr sz="1200" b="0" i="0" u="none" strike="noStrike" cap="none">
-                <a:solidFill>
-                  <a:schemeClr val="lt2"/>
-                </a:solidFill>
-                <a:latin typeface="Roboto"/>
-                <a:ea typeface="Roboto"/>
-                <a:cs typeface="Roboto"/>
-                <a:sym typeface="Roboto"/>
-              </a:defRPr>
-            </a:lvl9pPr>
-          </a:lstStyle>
-          <a:p>
-            <a:pPr lvl="0">
-              <a:lnSpc>
-                <a:spcPct val="100000"/>
-              </a:lnSpc>
-              <a:spcBef>
-                <a:spcPts val="1600"/>
-              </a:spcBef>
-            </a:pPr>
-            <a:r>
-              <a:rPr lang="ko-KR" altLang="en-US" dirty="0">
-                <a:latin typeface="서울남산 장체B" panose="02020603020101020101" pitchFamily="18" charset="-127"/>
-                <a:ea typeface="서울남산 장체B" panose="02020603020101020101" pitchFamily="18" charset="-127"/>
-              </a:rPr>
-              <a:t>핵심 기능</a:t>
-            </a:r>
-          </a:p>
-          <a:p>
-            <a:endParaRPr lang="ko-KR" altLang="en-US" sz="1050" dirty="0">
-              <a:latin typeface="서울남산 장체B" panose="02020603020101020101" pitchFamily="18" charset="-127"/>
-              <a:ea typeface="서울남산 장체B" panose="02020603020101020101" pitchFamily="18" charset="-127"/>
-            </a:endParaRPr>
-          </a:p>
-          <a:p>
-            <a:pPr marL="438150" indent="-285750">
-              <a:lnSpc>
-                <a:spcPct val="100000"/>
-              </a:lnSpc>
-              <a:buSzPts val="1200"/>
-              <a:buFontTx/>
-              <a:buChar char="-"/>
-            </a:pPr>
-            <a:r>
-              <a:rPr lang="en-US" altLang="ko-KR" dirty="0">
-                <a:latin typeface="서울남산 장체B" panose="02020603020101020101" pitchFamily="18" charset="-127"/>
-                <a:ea typeface="서울남산 장체B" panose="02020603020101020101" pitchFamily="18" charset="-127"/>
-              </a:rPr>
-              <a:t>comment</a:t>
-            </a:r>
-            <a:r>
-              <a:rPr lang="ko-KR" altLang="en-US" dirty="0">
-                <a:latin typeface="서울남산 장체B" panose="02020603020101020101" pitchFamily="18" charset="-127"/>
-                <a:ea typeface="서울남산 장체B" panose="02020603020101020101" pitchFamily="18" charset="-127"/>
-              </a:rPr>
-              <a:t>를 기반으로 </a:t>
-            </a:r>
-            <a:r>
-              <a:rPr lang="en-US" altLang="ko-KR" dirty="0" err="1">
-                <a:latin typeface="서울남산 장체B" panose="02020603020101020101" pitchFamily="18" charset="-127"/>
-                <a:ea typeface="서울남산 장체B" panose="02020603020101020101" pitchFamily="18" charset="-127"/>
-              </a:rPr>
-              <a:t>wordcloud</a:t>
-            </a:r>
-            <a:r>
-              <a:rPr lang="en-US" altLang="ko-KR" dirty="0">
-                <a:latin typeface="서울남산 장체B" panose="02020603020101020101" pitchFamily="18" charset="-127"/>
-                <a:ea typeface="서울남산 장체B" panose="02020603020101020101" pitchFamily="18" charset="-127"/>
-              </a:rPr>
-              <a:t> </a:t>
-            </a:r>
-            <a:r>
-              <a:rPr lang="ko-KR" altLang="en-US" dirty="0">
-                <a:latin typeface="서울남산 장체B" panose="02020603020101020101" pitchFamily="18" charset="-127"/>
-                <a:ea typeface="서울남산 장체B" panose="02020603020101020101" pitchFamily="18" charset="-127"/>
-              </a:rPr>
-              <a:t>제공</a:t>
-            </a:r>
-            <a:endParaRPr lang="en-US" altLang="ko-KR" dirty="0">
-              <a:latin typeface="서울남산 장체B" panose="02020603020101020101" pitchFamily="18" charset="-127"/>
-              <a:ea typeface="서울남산 장체B" panose="02020603020101020101" pitchFamily="18" charset="-127"/>
-            </a:endParaRPr>
-          </a:p>
-          <a:p>
-            <a:pPr marL="438150" indent="-285750">
-              <a:lnSpc>
-                <a:spcPct val="100000"/>
-              </a:lnSpc>
-              <a:buSzPts val="1200"/>
-              <a:buFontTx/>
-              <a:buChar char="-"/>
-            </a:pPr>
-            <a:r>
-              <a:rPr lang="ko-KR" altLang="en-US" dirty="0">
-                <a:latin typeface="서울남산 장체B" panose="02020603020101020101" pitchFamily="18" charset="-127"/>
-                <a:ea typeface="서울남산 장체B" panose="02020603020101020101" pitchFamily="18" charset="-127"/>
-              </a:rPr>
-              <a:t>단순 </a:t>
-            </a:r>
-            <a:r>
-              <a:rPr lang="ko-KR" altLang="en-US" dirty="0" err="1">
-                <a:latin typeface="서울남산 장체B" panose="02020603020101020101" pitchFamily="18" charset="-127"/>
-                <a:ea typeface="서울남산 장체B" panose="02020603020101020101" pitchFamily="18" charset="-127"/>
-              </a:rPr>
-              <a:t>별점이</a:t>
-            </a:r>
-            <a:r>
-              <a:rPr lang="ko-KR" altLang="en-US" dirty="0">
-                <a:latin typeface="서울남산 장체B" panose="02020603020101020101" pitchFamily="18" charset="-127"/>
-                <a:ea typeface="서울남산 장체B" panose="02020603020101020101" pitchFamily="18" charset="-127"/>
-              </a:rPr>
-              <a:t> 아닌 </a:t>
-            </a:r>
-            <a:r>
-              <a:rPr lang="en-US" altLang="ko-KR" dirty="0" err="1">
-                <a:latin typeface="서울남산 장체B" panose="02020603020101020101" pitchFamily="18" charset="-127"/>
-                <a:ea typeface="서울남산 장체B" panose="02020603020101020101" pitchFamily="18" charset="-127"/>
-              </a:rPr>
-              <a:t>rader</a:t>
-            </a:r>
-            <a:r>
-              <a:rPr lang="en-US" altLang="ko-KR" dirty="0">
-                <a:latin typeface="서울남산 장체B" panose="02020603020101020101" pitchFamily="18" charset="-127"/>
-                <a:ea typeface="서울남산 장체B" panose="02020603020101020101" pitchFamily="18" charset="-127"/>
-              </a:rPr>
-              <a:t> char</a:t>
-            </a:r>
-            <a:r>
-              <a:rPr lang="ko-KR" altLang="en-US" dirty="0">
-                <a:latin typeface="서울남산 장체B" panose="02020603020101020101" pitchFamily="18" charset="-127"/>
-                <a:ea typeface="서울남산 장체B" panose="02020603020101020101" pitchFamily="18" charset="-127"/>
-              </a:rPr>
-              <a:t>를 통한 평가</a:t>
-            </a:r>
-          </a:p>
-          <a:p>
-            <a:pPr marL="438150" indent="-285750">
-              <a:lnSpc>
-                <a:spcPct val="100000"/>
-              </a:lnSpc>
-              <a:buSzPts val="1200"/>
-              <a:buFontTx/>
-              <a:buChar char="-"/>
-            </a:pPr>
-            <a:endParaRPr lang="en-US" altLang="ko-KR" dirty="0">
-              <a:latin typeface="서울남산 장체B" panose="02020603020101020101" pitchFamily="18" charset="-127"/>
-              <a:ea typeface="서울남산 장체B" panose="02020603020101020101" pitchFamily="18" charset="-127"/>
-            </a:endParaRPr>
-          </a:p>
-          <a:p>
-            <a:pPr marL="438150" indent="-285750">
-              <a:lnSpc>
-                <a:spcPct val="100000"/>
-              </a:lnSpc>
-              <a:buSzPts val="1200"/>
-              <a:buFontTx/>
-              <a:buChar char="-"/>
-            </a:pPr>
-            <a:endParaRPr lang="ko-KR" altLang="en-US" dirty="0">
-              <a:latin typeface="서울남산 장체B" panose="02020603020101020101" pitchFamily="18" charset="-127"/>
-              <a:ea typeface="서울남산 장체B" panose="02020603020101020101" pitchFamily="18" charset="-127"/>
-            </a:endParaRPr>
-          </a:p>
-          <a:p>
-            <a:pPr indent="0">
-              <a:spcBef>
-                <a:spcPts val="1600"/>
-              </a:spcBef>
-              <a:buFont typeface="Roboto"/>
-              <a:buNone/>
-            </a:pPr>
-            <a:endParaRPr lang="ko-KR" altLang="en-US" dirty="0">
-              <a:latin typeface="서울남산 장체B" panose="02020603020101020101" pitchFamily="18" charset="-127"/>
-              <a:ea typeface="서울남산 장체B" panose="02020603020101020101" pitchFamily="18" charset="-127"/>
-            </a:endParaRPr>
-          </a:p>
-        </p:txBody>
-      </p:sp>
-      <p:sp>
-        <p:nvSpPr>
-          <p:cNvPr id="10" name="Google Shape;88;p16">
-            <a:extLst>
-              <a:ext uri="{FF2B5EF4-FFF2-40B4-BE49-F238E27FC236}">
-                <a16:creationId xmlns:a16="http://schemas.microsoft.com/office/drawing/2014/main" id="{334AF546-8990-4325-A19D-ADEFEA697811}"/>
-              </a:ext>
-            </a:extLst>
-          </p:cNvPr>
-          <p:cNvSpPr txBox="1">
-            <a:spLocks/>
-          </p:cNvSpPr>
-          <p:nvPr/>
-        </p:nvSpPr>
-        <p:spPr>
-          <a:xfrm>
-            <a:off x="3796964" y="953023"/>
-            <a:ext cx="2594029" cy="462278"/>
-          </a:xfrm>
-          <a:prstGeom prst="rect">
-            <a:avLst/>
-          </a:prstGeom>
-          <a:noFill/>
-          <a:ln>
-            <a:noFill/>
-          </a:ln>
-        </p:spPr>
-        <p:txBody>
-          <a:bodyPr spcFirstLastPara="1" wrap="square" lIns="91425" tIns="91425" rIns="91425" bIns="91425" anchor="b" anchorCtr="0">
-            <a:noAutofit/>
-          </a:bodyPr>
-          <a:lstStyle>
-            <a:defPPr marR="0" lvl="0" algn="l" rtl="0">
-              <a:lnSpc>
-                <a:spcPct val="100000"/>
-              </a:lnSpc>
-              <a:spcBef>
-                <a:spcPts val="0"/>
-              </a:spcBef>
-              <a:spcAft>
-                <a:spcPts val="0"/>
-              </a:spcAft>
-            </a:defPPr>
-            <a:lvl1pPr marR="0" lvl="0" algn="l" rtl="0">
-              <a:lnSpc>
-                <a:spcPct val="100000"/>
-              </a:lnSpc>
-              <a:spcBef>
-                <a:spcPts val="0"/>
-              </a:spcBef>
-              <a:spcAft>
-                <a:spcPts val="0"/>
-              </a:spcAft>
-              <a:buClr>
-                <a:schemeClr val="lt1"/>
-              </a:buClr>
-              <a:buSzPts val="3200"/>
-              <a:buFont typeface="Roboto"/>
-              <a:buNone/>
-              <a:defRPr sz="3200" b="0" i="0" u="none" strike="noStrike" cap="none">
-                <a:solidFill>
-                  <a:schemeClr val="lt1"/>
-                </a:solidFill>
-                <a:latin typeface="Roboto"/>
-                <a:ea typeface="Roboto"/>
-                <a:cs typeface="Roboto"/>
-                <a:sym typeface="Roboto"/>
-              </a:defRPr>
-            </a:lvl1pPr>
-            <a:lvl2pPr marR="0" lvl="1" algn="l" rtl="0">
-              <a:lnSpc>
-                <a:spcPct val="100000"/>
-              </a:lnSpc>
-              <a:spcBef>
-                <a:spcPts val="0"/>
-              </a:spcBef>
-              <a:spcAft>
-                <a:spcPts val="0"/>
-              </a:spcAft>
-              <a:buClr>
-                <a:schemeClr val="lt1"/>
-              </a:buClr>
-              <a:buSzPts val="3200"/>
-              <a:buFont typeface="Roboto"/>
-              <a:buNone/>
-              <a:defRPr sz="3200" b="0" i="0" u="none" strike="noStrike" cap="none">
-                <a:solidFill>
-                  <a:schemeClr val="lt1"/>
-                </a:solidFill>
-                <a:latin typeface="Roboto"/>
-                <a:ea typeface="Roboto"/>
-                <a:cs typeface="Roboto"/>
-                <a:sym typeface="Roboto"/>
-              </a:defRPr>
-            </a:lvl2pPr>
-            <a:lvl3pPr marR="0" lvl="2" algn="l" rtl="0">
-              <a:lnSpc>
-                <a:spcPct val="100000"/>
-              </a:lnSpc>
-              <a:spcBef>
-                <a:spcPts val="0"/>
-              </a:spcBef>
-              <a:spcAft>
-                <a:spcPts val="0"/>
-              </a:spcAft>
-              <a:buClr>
-                <a:schemeClr val="lt1"/>
-              </a:buClr>
-              <a:buSzPts val="3200"/>
-              <a:buFont typeface="Roboto"/>
-              <a:buNone/>
-              <a:defRPr sz="3200" b="0" i="0" u="none" strike="noStrike" cap="none">
-                <a:solidFill>
-                  <a:schemeClr val="lt1"/>
-                </a:solidFill>
-                <a:latin typeface="Roboto"/>
-                <a:ea typeface="Roboto"/>
-                <a:cs typeface="Roboto"/>
-                <a:sym typeface="Roboto"/>
-              </a:defRPr>
-            </a:lvl3pPr>
-            <a:lvl4pPr marR="0" lvl="3" algn="l" rtl="0">
-              <a:lnSpc>
-                <a:spcPct val="100000"/>
-              </a:lnSpc>
-              <a:spcBef>
-                <a:spcPts val="0"/>
-              </a:spcBef>
-              <a:spcAft>
-                <a:spcPts val="0"/>
-              </a:spcAft>
-              <a:buClr>
-                <a:schemeClr val="lt1"/>
-              </a:buClr>
-              <a:buSzPts val="3200"/>
-              <a:buFont typeface="Roboto"/>
-              <a:buNone/>
-              <a:defRPr sz="3200" b="0" i="0" u="none" strike="noStrike" cap="none">
-                <a:solidFill>
-                  <a:schemeClr val="lt1"/>
-                </a:solidFill>
-                <a:latin typeface="Roboto"/>
-                <a:ea typeface="Roboto"/>
-                <a:cs typeface="Roboto"/>
-                <a:sym typeface="Roboto"/>
-              </a:defRPr>
-            </a:lvl4pPr>
-            <a:lvl5pPr marR="0" lvl="4" algn="l" rtl="0">
-              <a:lnSpc>
-                <a:spcPct val="100000"/>
-              </a:lnSpc>
-              <a:spcBef>
-                <a:spcPts val="0"/>
-              </a:spcBef>
-              <a:spcAft>
-                <a:spcPts val="0"/>
-              </a:spcAft>
-              <a:buClr>
-                <a:schemeClr val="lt1"/>
-              </a:buClr>
-              <a:buSzPts val="3200"/>
-              <a:buFont typeface="Roboto"/>
-              <a:buNone/>
-              <a:defRPr sz="3200" b="0" i="0" u="none" strike="noStrike" cap="none">
-                <a:solidFill>
-                  <a:schemeClr val="lt1"/>
-                </a:solidFill>
-                <a:latin typeface="Roboto"/>
-                <a:ea typeface="Roboto"/>
-                <a:cs typeface="Roboto"/>
-                <a:sym typeface="Roboto"/>
-              </a:defRPr>
-            </a:lvl5pPr>
-            <a:lvl6pPr marR="0" lvl="5" algn="l" rtl="0">
-              <a:lnSpc>
-                <a:spcPct val="100000"/>
-              </a:lnSpc>
-              <a:spcBef>
-                <a:spcPts val="0"/>
-              </a:spcBef>
-              <a:spcAft>
-                <a:spcPts val="0"/>
-              </a:spcAft>
-              <a:buClr>
-                <a:schemeClr val="lt1"/>
-              </a:buClr>
-              <a:buSzPts val="3200"/>
-              <a:buFont typeface="Roboto"/>
-              <a:buNone/>
-              <a:defRPr sz="3200" b="0" i="0" u="none" strike="noStrike" cap="none">
-                <a:solidFill>
-                  <a:schemeClr val="lt1"/>
-                </a:solidFill>
-                <a:latin typeface="Roboto"/>
-                <a:ea typeface="Roboto"/>
-                <a:cs typeface="Roboto"/>
-                <a:sym typeface="Roboto"/>
-              </a:defRPr>
-            </a:lvl6pPr>
-            <a:lvl7pPr marR="0" lvl="6" algn="l" rtl="0">
-              <a:lnSpc>
-                <a:spcPct val="100000"/>
-              </a:lnSpc>
-              <a:spcBef>
-                <a:spcPts val="0"/>
-              </a:spcBef>
-              <a:spcAft>
-                <a:spcPts val="0"/>
-              </a:spcAft>
-              <a:buClr>
-                <a:schemeClr val="lt1"/>
-              </a:buClr>
-              <a:buSzPts val="3200"/>
-              <a:buFont typeface="Roboto"/>
-              <a:buNone/>
-              <a:defRPr sz="3200" b="0" i="0" u="none" strike="noStrike" cap="none">
-                <a:solidFill>
-                  <a:schemeClr val="lt1"/>
-                </a:solidFill>
-                <a:latin typeface="Roboto"/>
-                <a:ea typeface="Roboto"/>
-                <a:cs typeface="Roboto"/>
-                <a:sym typeface="Roboto"/>
-              </a:defRPr>
-            </a:lvl7pPr>
-            <a:lvl8pPr marR="0" lvl="7" algn="l" rtl="0">
-              <a:lnSpc>
-                <a:spcPct val="100000"/>
-              </a:lnSpc>
-              <a:spcBef>
-                <a:spcPts val="0"/>
-              </a:spcBef>
-              <a:spcAft>
-                <a:spcPts val="0"/>
-              </a:spcAft>
-              <a:buClr>
-                <a:schemeClr val="lt1"/>
-              </a:buClr>
-              <a:buSzPts val="3200"/>
-              <a:buFont typeface="Roboto"/>
-              <a:buNone/>
-              <a:defRPr sz="3200" b="0" i="0" u="none" strike="noStrike" cap="none">
-                <a:solidFill>
-                  <a:schemeClr val="lt1"/>
-                </a:solidFill>
-                <a:latin typeface="Roboto"/>
-                <a:ea typeface="Roboto"/>
-                <a:cs typeface="Roboto"/>
-                <a:sym typeface="Roboto"/>
-              </a:defRPr>
-            </a:lvl8pPr>
-            <a:lvl9pPr marR="0" lvl="8" algn="l" rtl="0">
-              <a:lnSpc>
-                <a:spcPct val="100000"/>
-              </a:lnSpc>
-              <a:spcBef>
-                <a:spcPts val="0"/>
-              </a:spcBef>
-              <a:spcAft>
-                <a:spcPts val="0"/>
-              </a:spcAft>
-              <a:buClr>
-                <a:schemeClr val="lt1"/>
-              </a:buClr>
-              <a:buSzPts val="3200"/>
-              <a:buFont typeface="Roboto"/>
-              <a:buNone/>
-              <a:defRPr sz="3200" b="0" i="0" u="none" strike="noStrike" cap="none">
-                <a:solidFill>
-                  <a:schemeClr val="lt1"/>
-                </a:solidFill>
-                <a:latin typeface="Roboto"/>
-                <a:ea typeface="Roboto"/>
-                <a:cs typeface="Roboto"/>
-                <a:sym typeface="Roboto"/>
-              </a:defRPr>
-            </a:lvl9pPr>
-          </a:lstStyle>
-          <a:p>
-            <a:r>
-              <a:rPr lang="en-US" altLang="ko-KR" sz="1800" dirty="0">
-                <a:latin typeface="서울남산 장체B" panose="02020603020101020101" pitchFamily="18" charset="-127"/>
-                <a:ea typeface="서울남산 장체B" panose="02020603020101020101" pitchFamily="18" charset="-127"/>
-              </a:rPr>
-              <a:t>&lt;</a:t>
-            </a:r>
-            <a:r>
-              <a:rPr lang="ko-KR" altLang="en-US" sz="1800" dirty="0">
-                <a:latin typeface="서울남산 장체B" panose="02020603020101020101" pitchFamily="18" charset="-127"/>
-                <a:ea typeface="서울남산 장체B" panose="02020603020101020101" pitchFamily="18" charset="-127"/>
-              </a:rPr>
-              <a:t>예시 화면</a:t>
-            </a:r>
-            <a:r>
-              <a:rPr lang="en-US" altLang="ko-KR" sz="1800" dirty="0">
-                <a:latin typeface="서울남산 장체B" panose="02020603020101020101" pitchFamily="18" charset="-127"/>
-                <a:ea typeface="서울남산 장체B" panose="02020603020101020101" pitchFamily="18" charset="-127"/>
-              </a:rPr>
-              <a:t>&gt;</a:t>
-            </a:r>
-            <a:endParaRPr lang="ko-KR" altLang="en-US" sz="1800" dirty="0">
-              <a:latin typeface="서울남산 장체B" panose="02020603020101020101" pitchFamily="18" charset="-127"/>
-              <a:ea typeface="서울남산 장체B" panose="02020603020101020101" pitchFamily="18" charset="-127"/>
-            </a:endParaRPr>
-          </a:p>
-        </p:txBody>
-      </p:sp>
-      <p:pic>
-        <p:nvPicPr>
-          <p:cNvPr id="9" name="Google Shape;98;p17">
-            <a:extLst>
-              <a:ext uri="{FF2B5EF4-FFF2-40B4-BE49-F238E27FC236}">
-                <a16:creationId xmlns:a16="http://schemas.microsoft.com/office/drawing/2014/main" id="{E0FE9611-A799-4843-AF75-8C3464B33392}"/>
-              </a:ext>
-            </a:extLst>
-          </p:cNvPr>
-          <p:cNvPicPr preferRelativeResize="0"/>
-          <p:nvPr/>
-        </p:nvPicPr>
-        <p:blipFill rotWithShape="1">
-          <a:blip r:embed="rId3">
-            <a:alphaModFix/>
-          </a:blip>
-          <a:srcRect l="19153" t="22137" r="25046" b="14810"/>
-          <a:stretch/>
-        </p:blipFill>
-        <p:spPr>
-          <a:xfrm>
-            <a:off x="3905975" y="953023"/>
-            <a:ext cx="5238025" cy="4201085"/>
-          </a:xfrm>
-          <a:prstGeom prst="rect">
-            <a:avLst/>
-          </a:prstGeom>
-          <a:noFill/>
-          <a:ln>
-            <a:noFill/>
-          </a:ln>
-        </p:spPr>
-      </p:pic>
-      <p:sp>
-        <p:nvSpPr>
-          <p:cNvPr id="11" name="Google Shape;91;p16">
-            <a:extLst>
-              <a:ext uri="{FF2B5EF4-FFF2-40B4-BE49-F238E27FC236}">
-                <a16:creationId xmlns:a16="http://schemas.microsoft.com/office/drawing/2014/main" id="{920D8E5D-D5E8-48A0-80FF-478EB04021DF}"/>
-              </a:ext>
-            </a:extLst>
-          </p:cNvPr>
-          <p:cNvSpPr/>
-          <p:nvPr/>
-        </p:nvSpPr>
-        <p:spPr>
-          <a:xfrm>
-            <a:off x="4361469" y="1670337"/>
-            <a:ext cx="4489354" cy="902085"/>
-          </a:xfrm>
-          <a:prstGeom prst="rect">
-            <a:avLst/>
-          </a:prstGeom>
-          <a:solidFill>
-            <a:schemeClr val="tx1"/>
-          </a:solidFill>
-          <a:ln w="9525" cap="flat" cmpd="sng">
-            <a:solidFill>
-              <a:schemeClr val="dk2"/>
-            </a:solidFill>
-            <a:prstDash val="solid"/>
-            <a:round/>
-            <a:headEnd type="none" w="sm" len="sm"/>
-            <a:tailEnd type="none" w="sm" len="sm"/>
-          </a:ln>
-        </p:spPr>
-        <p:txBody>
-          <a:bodyPr spcFirstLastPara="1" wrap="square" lIns="91425" tIns="91425" rIns="91425" bIns="91425" anchor="ctr" anchorCtr="0">
-            <a:noAutofit/>
-          </a:bodyPr>
-          <a:lstStyle/>
-          <a:p>
-            <a:pPr marL="0" lvl="0" indent="0" algn="l" rtl="0">
-              <a:spcBef>
-                <a:spcPts val="0"/>
-              </a:spcBef>
-              <a:spcAft>
-                <a:spcPts val="0"/>
-              </a:spcAft>
-              <a:buNone/>
-            </a:pPr>
-            <a:r>
-              <a:rPr lang="ko" dirty="0">
-                <a:latin typeface="서울남산 장체B" panose="02020603020101020101" pitchFamily="18" charset="-127"/>
-                <a:ea typeface="서울남산 장체B" panose="02020603020101020101" pitchFamily="18" charset="-127"/>
-              </a:rPr>
-              <a:t>[책에 대한 기본 정보 제공]</a:t>
-            </a:r>
-            <a:endParaRPr dirty="0">
-              <a:latin typeface="서울남산 장체B" panose="02020603020101020101" pitchFamily="18" charset="-127"/>
-              <a:ea typeface="서울남산 장체B" panose="02020603020101020101" pitchFamily="18" charset="-127"/>
-            </a:endParaRPr>
-          </a:p>
-        </p:txBody>
-      </p:sp>
-    </p:spTree>
-    <p:extLst>
-      <p:ext uri="{BB962C8B-B14F-4D97-AF65-F5344CB8AC3E}">
-        <p14:creationId xmlns:p14="http://schemas.microsoft.com/office/powerpoint/2010/main" val="4266048043"/>
-      </p:ext>
-    </p:extLst>
-  </p:cSld>
-  <p:clrMapOvr>
-    <a:masterClrMapping/>
-  </p:clrMapOvr>
-</p:sld>
-</file>
-
-<file path=ppt/slides/slide6.xml><?xml version="1.0" encoding="utf-8"?>
-<p:sld xmlns:a="http://schemas.openxmlformats.org/drawingml/2006/main" xmlns:r="http://schemas.openxmlformats.org/officeDocument/2006/relationships" xmlns:p="http://schemas.openxmlformats.org/presentationml/2006/main">
-  <p:cSld>
-    <p:spTree>
-      <p:nvGrpSpPr>
         <p:cNvPr id="1" name="Shape 95"/>
         <p:cNvGrpSpPr/>
         <p:nvPr/>
@@ -9710,7 +8571,7 @@
 </p:sld>
 </file>
 
-<file path=ppt/slides/slide7.xml><?xml version="1.0" encoding="utf-8"?>
+<file path=ppt/slides/slide6.xml><?xml version="1.0" encoding="utf-8"?>
 <p:sld xmlns:a="http://schemas.openxmlformats.org/drawingml/2006/main" xmlns:r="http://schemas.openxmlformats.org/officeDocument/2006/relationships" xmlns:p="http://schemas.openxmlformats.org/presentationml/2006/main">
   <p:cSld>
     <p:spTree>
@@ -9964,7 +8825,7 @@
 </p:sld>
 </file>
 
-<file path=ppt/slides/slide8.xml><?xml version="1.0" encoding="utf-8"?>
+<file path=ppt/slides/slide7.xml><?xml version="1.0" encoding="utf-8"?>
 <p:sld xmlns:a="http://schemas.openxmlformats.org/drawingml/2006/main" xmlns:r="http://schemas.openxmlformats.org/officeDocument/2006/relationships" xmlns:p="http://schemas.openxmlformats.org/presentationml/2006/main">
   <p:cSld>
     <p:spTree>
